--- a/06.Closed Systems.pptx
+++ b/06.Closed Systems.pptx
@@ -9568,7 +9568,7 @@
             <a:graphicData uri="http://schemas.openxmlformats.org/presentationml/2006/ole">
               <mc:AlternateContent xmlns:mc="http://schemas.openxmlformats.org/markup-compatibility/2006">
                 <mc:Choice xmlns:v="urn:schemas-microsoft-com:vml" Requires="v">
-                  <p:oleObj spid="_x0000_s1084" name="Equation" r:id="rId9" imgW="952200" imgH="228600" progId="Equation.3">
+                  <p:oleObj spid="_x0000_s1085" name="Equation" r:id="rId9" imgW="952200" imgH="228600" progId="Equation.3">
                     <p:embed/>
                   </p:oleObj>
                 </mc:Choice>
